--- a/cr/CR_vendredi_20_09_13.pptx
+++ b/cr/CR_vendredi_20_09_13.pptx
@@ -4785,7 +4785,7 @@
           <a:p>
             <a:fld id="{7A6B8A3B-B4A8-0B47-A7EB-81B6CDAFFFC7}" type="datetimeFigureOut">
               <a:rPr lang="fr-FR" smtClean="0"/>
-              <a:t>18/09/13</a:t>
+              <a:t>21/09/13</a:t>
             </a:fld>
             <a:endParaRPr lang="fr-FR"/>
           </a:p>
@@ -5159,7 +5159,7 @@
           <a:p>
             <a:fld id="{7A6B8A3B-B4A8-0B47-A7EB-81B6CDAFFFC7}" type="datetimeFigureOut">
               <a:rPr lang="fr-FR" smtClean="0"/>
-              <a:t>18/09/13</a:t>
+              <a:t>21/09/13</a:t>
             </a:fld>
             <a:endParaRPr lang="fr-FR"/>
           </a:p>
@@ -5536,7 +5536,7 @@
           <a:p>
             <a:fld id="{7A6B8A3B-B4A8-0B47-A7EB-81B6CDAFFFC7}" type="datetimeFigureOut">
               <a:rPr lang="fr-FR" smtClean="0"/>
-              <a:t>18/09/13</a:t>
+              <a:t>21/09/13</a:t>
             </a:fld>
             <a:endParaRPr lang="fr-FR"/>
           </a:p>
@@ -6045,7 +6045,7 @@
           <a:p>
             <a:fld id="{7A6B8A3B-B4A8-0B47-A7EB-81B6CDAFFFC7}" type="datetimeFigureOut">
               <a:rPr lang="fr-FR" smtClean="0"/>
-              <a:t>18/09/13</a:t>
+              <a:t>21/09/13</a:t>
             </a:fld>
             <a:endParaRPr lang="fr-FR"/>
           </a:p>
@@ -6286,7 +6286,7 @@
           <a:p>
             <a:fld id="{7A6B8A3B-B4A8-0B47-A7EB-81B6CDAFFFC7}" type="datetimeFigureOut">
               <a:rPr lang="fr-FR" smtClean="0"/>
-              <a:t>18/09/13</a:t>
+              <a:t>21/09/13</a:t>
             </a:fld>
             <a:endParaRPr lang="fr-FR"/>
           </a:p>
@@ -6517,7 +6517,7 @@
           <a:p>
             <a:fld id="{7A6B8A3B-B4A8-0B47-A7EB-81B6CDAFFFC7}" type="datetimeFigureOut">
               <a:rPr lang="fr-FR" smtClean="0"/>
-              <a:t>18/09/13</a:t>
+              <a:t>21/09/13</a:t>
             </a:fld>
             <a:endParaRPr lang="fr-FR"/>
           </a:p>
@@ -13873,7 +13873,7 @@
           <a:p>
             <a:fld id="{7A6B8A3B-B4A8-0B47-A7EB-81B6CDAFFFC7}" type="datetimeFigureOut">
               <a:rPr lang="fr-FR" smtClean="0"/>
-              <a:t>18/09/13</a:t>
+              <a:t>21/09/13</a:t>
             </a:fld>
             <a:endParaRPr lang="fr-FR"/>
           </a:p>
@@ -14410,7 +14410,7 @@
           <a:p>
             <a:fld id="{7A6B8A3B-B4A8-0B47-A7EB-81B6CDAFFFC7}" type="datetimeFigureOut">
               <a:rPr lang="fr-FR" smtClean="0"/>
-              <a:t>18/09/13</a:t>
+              <a:t>21/09/13</a:t>
             </a:fld>
             <a:endParaRPr lang="fr-FR"/>
           </a:p>
@@ -14585,7 +14585,7 @@
           <a:p>
             <a:fld id="{7A6B8A3B-B4A8-0B47-A7EB-81B6CDAFFFC7}" type="datetimeFigureOut">
               <a:rPr lang="fr-FR" smtClean="0"/>
-              <a:t>18/09/13</a:t>
+              <a:t>21/09/13</a:t>
             </a:fld>
             <a:endParaRPr lang="fr-FR"/>
           </a:p>
@@ -14675,7 +14675,7 @@
           <a:p>
             <a:fld id="{7A6B8A3B-B4A8-0B47-A7EB-81B6CDAFFFC7}" type="datetimeFigureOut">
               <a:rPr lang="fr-FR" smtClean="0"/>
-              <a:t>18/09/13</a:t>
+              <a:t>21/09/13</a:t>
             </a:fld>
             <a:endParaRPr lang="fr-FR"/>
           </a:p>
@@ -15011,7 +15011,7 @@
           <a:p>
             <a:fld id="{7A6B8A3B-B4A8-0B47-A7EB-81B6CDAFFFC7}" type="datetimeFigureOut">
               <a:rPr lang="fr-FR" smtClean="0"/>
-              <a:t>18/09/13</a:t>
+              <a:t>21/09/13</a:t>
             </a:fld>
             <a:endParaRPr lang="fr-FR"/>
           </a:p>
@@ -16431,7 +16431,7 @@
           <a:p>
             <a:fld id="{7A6B8A3B-B4A8-0B47-A7EB-81B6CDAFFFC7}" type="datetimeFigureOut">
               <a:rPr lang="fr-FR" smtClean="0"/>
-              <a:t>18/09/13</a:t>
+              <a:t>21/09/13</a:t>
             </a:fld>
             <a:endParaRPr lang="fr-FR"/>
           </a:p>
@@ -16977,15 +16977,7 @@
           <a:p>
             <a:r>
               <a:rPr lang="fr-FR" dirty="0" smtClean="0"/>
-              <a:t>DRONE </a:t>
-            </a:r>
-            <a:r>
-              <a:rPr lang="fr-FR" dirty="0" smtClean="0"/>
-              <a:t>–</a:t>
-            </a:r>
-            <a:r>
-              <a:rPr lang="fr-FR" dirty="0" smtClean="0"/>
-              <a:t> Projet M2SE</a:t>
+              <a:t>DRONE – Projet M2SE</a:t>
             </a:r>
             <a:endParaRPr lang="fr-FR" dirty="0"/>
           </a:p>
@@ -17065,6 +17057,30 @@
               <a:srgbClr val="969696"/>
             </a:contourClr>
           </a:sp3d>
+        </p:spPr>
+      </p:pic>
+      <p:pic>
+        <p:nvPicPr>
+          <p:cNvPr id="5" name="Image 4"/>
+          <p:cNvPicPr>
+            <a:picLocks noChangeAspect="1"/>
+          </p:cNvPicPr>
+          <p:nvPr/>
+        </p:nvPicPr>
+        <p:blipFill>
+          <a:blip r:embed="rId3"/>
+          <a:stretch>
+            <a:fillRect/>
+          </a:stretch>
+        </p:blipFill>
+        <p:spPr>
+          <a:xfrm>
+            <a:off x="4013200" y="6245578"/>
+            <a:ext cx="1117600" cy="393700"/>
+          </a:xfrm>
+          <a:prstGeom prst="rect">
+            <a:avLst/>
+          </a:prstGeom>
         </p:spPr>
       </p:pic>
     </p:spTree>
@@ -18148,11 +18164,7 @@
           <a:p>
             <a:r>
               <a:rPr lang="fr-FR" dirty="0" smtClean="0"/>
-              <a:t>Cycle de vie </a:t>
-            </a:r>
-            <a:r>
-              <a:rPr lang="fr-FR" dirty="0" smtClean="0"/>
-              <a:t>…</a:t>
+              <a:t>Cycle de vie …</a:t>
             </a:r>
             <a:endParaRPr lang="fr-FR" dirty="0"/>
           </a:p>
@@ -18567,11 +18579,7 @@
           <a:p>
             <a:r>
               <a:rPr lang="fr-FR" dirty="0" smtClean="0"/>
-              <a:t>Co</a:t>
-            </a:r>
-            <a:r>
-              <a:rPr lang="fr-FR" dirty="0" smtClean="0"/>
-              <a:t>ût de l’ensemble Drone + Base (Approximatif)</a:t>
+              <a:t>Coût de l’ensemble Drone + Base (Approximatif)</a:t>
             </a:r>
             <a:endParaRPr lang="fr-FR" dirty="0"/>
           </a:p>
@@ -20733,7 +20741,6 @@
               <a:rPr lang="fr-FR" dirty="0" smtClean="0"/>
               <a:t>…</a:t>
             </a:r>
-            <a:endParaRPr lang="fr-FR" dirty="0" smtClean="0"/>
           </a:p>
           <a:p>
             <a:r>

--- a/cr/CR_vendredi_20_09_13.pptx
+++ b/cr/CR_vendredi_20_09_13.pptx
@@ -17,7 +17,6 @@
     <p:sldId id="262" r:id="rId11"/>
     <p:sldId id="264" r:id="rId12"/>
     <p:sldId id="265" r:id="rId13"/>
-    <p:sldId id="268" r:id="rId14"/>
   </p:sldIdLst>
   <p:sldSz cx="9144000" cy="6858000" type="screen4x3"/>
   <p:notesSz cx="6858000" cy="9144000"/>
@@ -4785,7 +4784,7 @@
           <a:p>
             <a:fld id="{7A6B8A3B-B4A8-0B47-A7EB-81B6CDAFFFC7}" type="datetimeFigureOut">
               <a:rPr lang="fr-FR" smtClean="0"/>
-              <a:t>21/09/13</a:t>
+              <a:t>25/09/13</a:t>
             </a:fld>
             <a:endParaRPr lang="fr-FR"/>
           </a:p>
@@ -5159,7 +5158,7 @@
           <a:p>
             <a:fld id="{7A6B8A3B-B4A8-0B47-A7EB-81B6CDAFFFC7}" type="datetimeFigureOut">
               <a:rPr lang="fr-FR" smtClean="0"/>
-              <a:t>21/09/13</a:t>
+              <a:t>25/09/13</a:t>
             </a:fld>
             <a:endParaRPr lang="fr-FR"/>
           </a:p>
@@ -5536,7 +5535,7 @@
           <a:p>
             <a:fld id="{7A6B8A3B-B4A8-0B47-A7EB-81B6CDAFFFC7}" type="datetimeFigureOut">
               <a:rPr lang="fr-FR" smtClean="0"/>
-              <a:t>21/09/13</a:t>
+              <a:t>25/09/13</a:t>
             </a:fld>
             <a:endParaRPr lang="fr-FR"/>
           </a:p>
@@ -6045,7 +6044,7 @@
           <a:p>
             <a:fld id="{7A6B8A3B-B4A8-0B47-A7EB-81B6CDAFFFC7}" type="datetimeFigureOut">
               <a:rPr lang="fr-FR" smtClean="0"/>
-              <a:t>21/09/13</a:t>
+              <a:t>25/09/13</a:t>
             </a:fld>
             <a:endParaRPr lang="fr-FR"/>
           </a:p>
@@ -6286,7 +6285,7 @@
           <a:p>
             <a:fld id="{7A6B8A3B-B4A8-0B47-A7EB-81B6CDAFFFC7}" type="datetimeFigureOut">
               <a:rPr lang="fr-FR" smtClean="0"/>
-              <a:t>21/09/13</a:t>
+              <a:t>25/09/13</a:t>
             </a:fld>
             <a:endParaRPr lang="fr-FR"/>
           </a:p>
@@ -6517,7 +6516,7 @@
           <a:p>
             <a:fld id="{7A6B8A3B-B4A8-0B47-A7EB-81B6CDAFFFC7}" type="datetimeFigureOut">
               <a:rPr lang="fr-FR" smtClean="0"/>
-              <a:t>21/09/13</a:t>
+              <a:t>25/09/13</a:t>
             </a:fld>
             <a:endParaRPr lang="fr-FR"/>
           </a:p>
@@ -13873,7 +13872,7 @@
           <a:p>
             <a:fld id="{7A6B8A3B-B4A8-0B47-A7EB-81B6CDAFFFC7}" type="datetimeFigureOut">
               <a:rPr lang="fr-FR" smtClean="0"/>
-              <a:t>21/09/13</a:t>
+              <a:t>25/09/13</a:t>
             </a:fld>
             <a:endParaRPr lang="fr-FR"/>
           </a:p>
@@ -14410,7 +14409,7 @@
           <a:p>
             <a:fld id="{7A6B8A3B-B4A8-0B47-A7EB-81B6CDAFFFC7}" type="datetimeFigureOut">
               <a:rPr lang="fr-FR" smtClean="0"/>
-              <a:t>21/09/13</a:t>
+              <a:t>25/09/13</a:t>
             </a:fld>
             <a:endParaRPr lang="fr-FR"/>
           </a:p>
@@ -14585,7 +14584,7 @@
           <a:p>
             <a:fld id="{7A6B8A3B-B4A8-0B47-A7EB-81B6CDAFFFC7}" type="datetimeFigureOut">
               <a:rPr lang="fr-FR" smtClean="0"/>
-              <a:t>21/09/13</a:t>
+              <a:t>25/09/13</a:t>
             </a:fld>
             <a:endParaRPr lang="fr-FR"/>
           </a:p>
@@ -14675,7 +14674,7 @@
           <a:p>
             <a:fld id="{7A6B8A3B-B4A8-0B47-A7EB-81B6CDAFFFC7}" type="datetimeFigureOut">
               <a:rPr lang="fr-FR" smtClean="0"/>
-              <a:t>21/09/13</a:t>
+              <a:t>25/09/13</a:t>
             </a:fld>
             <a:endParaRPr lang="fr-FR"/>
           </a:p>
@@ -15011,7 +15010,7 @@
           <a:p>
             <a:fld id="{7A6B8A3B-B4A8-0B47-A7EB-81B6CDAFFFC7}" type="datetimeFigureOut">
               <a:rPr lang="fr-FR" smtClean="0"/>
-              <a:t>21/09/13</a:t>
+              <a:t>25/09/13</a:t>
             </a:fld>
             <a:endParaRPr lang="fr-FR"/>
           </a:p>
@@ -16431,7 +16430,7 @@
           <a:p>
             <a:fld id="{7A6B8A3B-B4A8-0B47-A7EB-81B6CDAFFFC7}" type="datetimeFigureOut">
               <a:rPr lang="fr-FR" smtClean="0"/>
-              <a:t>21/09/13</a:t>
+              <a:t>25/09/13</a:t>
             </a:fld>
             <a:endParaRPr lang="fr-FR"/>
           </a:p>
@@ -17061,7 +17060,7 @@
       </p:pic>
       <p:pic>
         <p:nvPicPr>
-          <p:cNvPr id="5" name="Image 4"/>
+          <p:cNvPr id="6" name="Image 5"/>
           <p:cNvPicPr>
             <a:picLocks noChangeAspect="1"/>
           </p:cNvPicPr>
@@ -17075,7 +17074,7 @@
         </p:blipFill>
         <p:spPr>
           <a:xfrm>
-            <a:off x="4013200" y="6245578"/>
+            <a:off x="4013200" y="6114225"/>
             <a:ext cx="1117600" cy="393700"/>
           </a:xfrm>
           <a:prstGeom prst="rect">
@@ -18010,469 +18009,6 @@
     <p:extLst>
       <p:ext uri="{BB962C8B-B14F-4D97-AF65-F5344CB8AC3E}">
         <p14:creationId xmlns:p14="http://schemas.microsoft.com/office/powerpoint/2010/main" val="454407453"/>
-      </p:ext>
-    </p:extLst>
-  </p:cSld>
-  <p:clrMapOvr>
-    <a:masterClrMapping/>
-  </p:clrMapOvr>
-  <p:timing>
-    <p:tnLst>
-      <p:par>
-        <p:cTn xmlns:p14="http://schemas.microsoft.com/office/powerpoint/2010/main" id="1" dur="indefinite" restart="never" nodeType="tmRoot"/>
-      </p:par>
-    </p:tnLst>
-  </p:timing>
-</p:sld>
-</file>
-
-<file path=ppt/slides/slide13.xml><?xml version="1.0" encoding="utf-8"?>
-<p:sld xmlns:a="http://schemas.openxmlformats.org/drawingml/2006/main" xmlns:r="http://schemas.openxmlformats.org/officeDocument/2006/relationships" xmlns:p="http://schemas.openxmlformats.org/presentationml/2006/main">
-  <p:cSld>
-    <p:spTree>
-      <p:nvGrpSpPr>
-        <p:cNvPr id="1" name=""/>
-        <p:cNvGrpSpPr/>
-        <p:nvPr/>
-      </p:nvGrpSpPr>
-      <p:grpSpPr>
-        <a:xfrm>
-          <a:off x="0" y="0"/>
-          <a:ext cx="0" cy="0"/>
-          <a:chOff x="0" y="0"/>
-          <a:chExt cx="0" cy="0"/>
-        </a:xfrm>
-      </p:grpSpPr>
-      <p:sp>
-        <p:nvSpPr>
-          <p:cNvPr id="22" name="Rectangle 21"/>
-          <p:cNvSpPr/>
-          <p:nvPr/>
-        </p:nvSpPr>
-        <p:spPr>
-          <a:xfrm>
-            <a:off x="324556" y="2875844"/>
-            <a:ext cx="8650111" cy="3770489"/>
-          </a:xfrm>
-          <a:prstGeom prst="rect">
-            <a:avLst/>
-          </a:prstGeom>
-          <a:solidFill>
-            <a:schemeClr val="bg2">
-              <a:lumMod val="40000"/>
-              <a:lumOff val="60000"/>
-            </a:schemeClr>
-          </a:solidFill>
-        </p:spPr>
-        <p:style>
-          <a:lnRef idx="1">
-            <a:schemeClr val="accent1"/>
-          </a:lnRef>
-          <a:fillRef idx="3">
-            <a:schemeClr val="accent1"/>
-          </a:fillRef>
-          <a:effectRef idx="2">
-            <a:schemeClr val="accent1"/>
-          </a:effectRef>
-          <a:fontRef idx="minor">
-            <a:schemeClr val="lt1"/>
-          </a:fontRef>
-        </p:style>
-        <p:txBody>
-          <a:bodyPr rtlCol="0" anchor="ctr"/>
-          <a:lstStyle/>
-          <a:p>
-            <a:pPr algn="ctr"/>
-            <a:endParaRPr lang="fr-FR"/>
-          </a:p>
-        </p:txBody>
-      </p:sp>
-      <p:cxnSp>
-        <p:nvCxnSpPr>
-          <p:cNvPr id="12" name="Connecteur droit 11"/>
-          <p:cNvCxnSpPr/>
-          <p:nvPr/>
-        </p:nvCxnSpPr>
-        <p:spPr>
-          <a:xfrm>
-            <a:off x="1058333" y="3231444"/>
-            <a:ext cx="3273778" cy="2963334"/>
-          </a:xfrm>
-          <a:prstGeom prst="line">
-            <a:avLst/>
-          </a:prstGeom>
-        </p:spPr>
-        <p:style>
-          <a:lnRef idx="2">
-            <a:schemeClr val="accent1"/>
-          </a:lnRef>
-          <a:fillRef idx="0">
-            <a:schemeClr val="accent1"/>
-          </a:fillRef>
-          <a:effectRef idx="1">
-            <a:schemeClr val="accent1"/>
-          </a:effectRef>
-          <a:fontRef idx="minor">
-            <a:schemeClr val="tx1"/>
-          </a:fontRef>
-        </p:style>
-      </p:cxnSp>
-      <p:cxnSp>
-        <p:nvCxnSpPr>
-          <p:cNvPr id="13" name="Connecteur droit 12"/>
-          <p:cNvCxnSpPr/>
-          <p:nvPr/>
-        </p:nvCxnSpPr>
-        <p:spPr>
-          <a:xfrm flipH="1">
-            <a:off x="4332111" y="3231444"/>
-            <a:ext cx="3485446" cy="2963334"/>
-          </a:xfrm>
-          <a:prstGeom prst="line">
-            <a:avLst/>
-          </a:prstGeom>
-        </p:spPr>
-        <p:style>
-          <a:lnRef idx="2">
-            <a:schemeClr val="accent1"/>
-          </a:lnRef>
-          <a:fillRef idx="0">
-            <a:schemeClr val="accent1"/>
-          </a:fillRef>
-          <a:effectRef idx="1">
-            <a:schemeClr val="accent1"/>
-          </a:effectRef>
-          <a:fontRef idx="minor">
-            <a:schemeClr val="tx1"/>
-          </a:fontRef>
-        </p:style>
-      </p:cxnSp>
-      <p:sp>
-        <p:nvSpPr>
-          <p:cNvPr id="2" name="Titre 1"/>
-          <p:cNvSpPr>
-            <a:spLocks noGrp="1"/>
-          </p:cNvSpPr>
-          <p:nvPr>
-            <p:ph type="title"/>
-          </p:nvPr>
-        </p:nvSpPr>
-        <p:spPr/>
-        <p:txBody>
-          <a:bodyPr/>
-          <a:lstStyle/>
-          <a:p>
-            <a:r>
-              <a:rPr lang="fr-FR" dirty="0" smtClean="0"/>
-              <a:t>Cycle de vie …</a:t>
-            </a:r>
-            <a:endParaRPr lang="fr-FR" dirty="0"/>
-          </a:p>
-        </p:txBody>
-      </p:sp>
-      <p:sp>
-        <p:nvSpPr>
-          <p:cNvPr id="4" name="Autre processus 3"/>
-          <p:cNvSpPr/>
-          <p:nvPr/>
-        </p:nvSpPr>
-        <p:spPr>
-          <a:xfrm>
-            <a:off x="813189" y="3564467"/>
-            <a:ext cx="1882033" cy="762000"/>
-          </a:xfrm>
-          <a:prstGeom prst="flowChartAlternateProcess">
-            <a:avLst/>
-          </a:prstGeom>
-          <a:solidFill>
-            <a:srgbClr val="FF6600"/>
-          </a:solidFill>
-        </p:spPr>
-        <p:style>
-          <a:lnRef idx="1">
-            <a:schemeClr val="accent1"/>
-          </a:lnRef>
-          <a:fillRef idx="3">
-            <a:schemeClr val="accent1"/>
-          </a:fillRef>
-          <a:effectRef idx="2">
-            <a:schemeClr val="accent1"/>
-          </a:effectRef>
-          <a:fontRef idx="minor">
-            <a:schemeClr val="lt1"/>
-          </a:fontRef>
-        </p:style>
-        <p:txBody>
-          <a:bodyPr rtlCol="0" anchor="ctr"/>
-          <a:lstStyle/>
-          <a:p>
-            <a:pPr algn="ctr"/>
-            <a:r>
-              <a:rPr lang="fr-FR" dirty="0" smtClean="0"/>
-              <a:t>Spécifications</a:t>
-            </a:r>
-            <a:endParaRPr lang="fr-FR" dirty="0"/>
-          </a:p>
-        </p:txBody>
-      </p:sp>
-      <p:sp>
-        <p:nvSpPr>
-          <p:cNvPr id="7" name="Autre processus 6"/>
-          <p:cNvSpPr/>
-          <p:nvPr/>
-        </p:nvSpPr>
-        <p:spPr>
-          <a:xfrm>
-            <a:off x="1515921" y="4631267"/>
-            <a:ext cx="1882033" cy="762000"/>
-          </a:xfrm>
-          <a:prstGeom prst="flowChartAlternateProcess">
-            <a:avLst/>
-          </a:prstGeom>
-          <a:solidFill>
-            <a:srgbClr val="FF6600"/>
-          </a:solidFill>
-        </p:spPr>
-        <p:style>
-          <a:lnRef idx="1">
-            <a:schemeClr val="accent1"/>
-          </a:lnRef>
-          <a:fillRef idx="3">
-            <a:schemeClr val="accent1"/>
-          </a:fillRef>
-          <a:effectRef idx="2">
-            <a:schemeClr val="accent1"/>
-          </a:effectRef>
-          <a:fontRef idx="minor">
-            <a:schemeClr val="lt1"/>
-          </a:fontRef>
-        </p:style>
-        <p:txBody>
-          <a:bodyPr rtlCol="0" anchor="ctr"/>
-          <a:lstStyle/>
-          <a:p>
-            <a:pPr algn="ctr"/>
-            <a:r>
-              <a:rPr lang="fr-FR" dirty="0" smtClean="0"/>
-              <a:t>Design</a:t>
-            </a:r>
-            <a:endParaRPr lang="fr-FR" dirty="0"/>
-          </a:p>
-        </p:txBody>
-      </p:sp>
-      <p:sp>
-        <p:nvSpPr>
-          <p:cNvPr id="8" name="Autre processus 7"/>
-          <p:cNvSpPr/>
-          <p:nvPr/>
-        </p:nvSpPr>
-        <p:spPr>
-          <a:xfrm>
-            <a:off x="5323100" y="4631267"/>
-            <a:ext cx="1882033" cy="762000"/>
-          </a:xfrm>
-          <a:prstGeom prst="flowChartAlternateProcess">
-            <a:avLst/>
-          </a:prstGeom>
-          <a:solidFill>
-            <a:srgbClr val="FF6600"/>
-          </a:solidFill>
-        </p:spPr>
-        <p:style>
-          <a:lnRef idx="1">
-            <a:schemeClr val="accent1"/>
-          </a:lnRef>
-          <a:fillRef idx="3">
-            <a:schemeClr val="accent1"/>
-          </a:fillRef>
-          <a:effectRef idx="2">
-            <a:schemeClr val="accent1"/>
-          </a:effectRef>
-          <a:fontRef idx="minor">
-            <a:schemeClr val="lt1"/>
-          </a:fontRef>
-        </p:style>
-        <p:txBody>
-          <a:bodyPr rtlCol="0" anchor="ctr"/>
-          <a:lstStyle/>
-          <a:p>
-            <a:pPr algn="ctr"/>
-            <a:r>
-              <a:rPr lang="fr-FR" dirty="0" smtClean="0"/>
-              <a:t>TU</a:t>
-            </a:r>
-            <a:endParaRPr lang="fr-FR" dirty="0"/>
-          </a:p>
-        </p:txBody>
-      </p:sp>
-      <p:sp>
-        <p:nvSpPr>
-          <p:cNvPr id="9" name="Autre processus 8"/>
-          <p:cNvSpPr/>
-          <p:nvPr/>
-        </p:nvSpPr>
-        <p:spPr>
-          <a:xfrm>
-            <a:off x="6547592" y="3564467"/>
-            <a:ext cx="1882033" cy="762000"/>
-          </a:xfrm>
-          <a:prstGeom prst="flowChartAlternateProcess">
-            <a:avLst/>
-          </a:prstGeom>
-          <a:solidFill>
-            <a:srgbClr val="FF6600"/>
-          </a:solidFill>
-        </p:spPr>
-        <p:style>
-          <a:lnRef idx="1">
-            <a:schemeClr val="accent1"/>
-          </a:lnRef>
-          <a:fillRef idx="3">
-            <a:schemeClr val="accent1"/>
-          </a:fillRef>
-          <a:effectRef idx="2">
-            <a:schemeClr val="accent1"/>
-          </a:effectRef>
-          <a:fontRef idx="minor">
-            <a:schemeClr val="lt1"/>
-          </a:fontRef>
-        </p:style>
-        <p:txBody>
-          <a:bodyPr rtlCol="0" anchor="ctr"/>
-          <a:lstStyle/>
-          <a:p>
-            <a:pPr algn="ctr"/>
-            <a:r>
-              <a:rPr lang="fr-FR" dirty="0" smtClean="0"/>
-              <a:t>TV</a:t>
-            </a:r>
-            <a:endParaRPr lang="fr-FR" dirty="0"/>
-          </a:p>
-        </p:txBody>
-      </p:sp>
-      <p:sp>
-        <p:nvSpPr>
-          <p:cNvPr id="10" name="Autre processus 9"/>
-          <p:cNvSpPr/>
-          <p:nvPr/>
-        </p:nvSpPr>
-        <p:spPr>
-          <a:xfrm>
-            <a:off x="3397954" y="5805312"/>
-            <a:ext cx="1882033" cy="762000"/>
-          </a:xfrm>
-          <a:prstGeom prst="flowChartAlternateProcess">
-            <a:avLst/>
-          </a:prstGeom>
-          <a:solidFill>
-            <a:srgbClr val="FF6600"/>
-          </a:solidFill>
-        </p:spPr>
-        <p:style>
-          <a:lnRef idx="1">
-            <a:schemeClr val="accent1"/>
-          </a:lnRef>
-          <a:fillRef idx="3">
-            <a:schemeClr val="accent1"/>
-          </a:fillRef>
-          <a:effectRef idx="2">
-            <a:schemeClr val="accent1"/>
-          </a:effectRef>
-          <a:fontRef idx="minor">
-            <a:schemeClr val="lt1"/>
-          </a:fontRef>
-        </p:style>
-        <p:txBody>
-          <a:bodyPr rtlCol="0" anchor="ctr"/>
-          <a:lstStyle/>
-          <a:p>
-            <a:pPr algn="ctr"/>
-            <a:r>
-              <a:rPr lang="fr-FR" dirty="0" smtClean="0"/>
-              <a:t>Code</a:t>
-            </a:r>
-            <a:endParaRPr lang="fr-FR" dirty="0"/>
-          </a:p>
-        </p:txBody>
-      </p:sp>
-      <p:cxnSp>
-        <p:nvCxnSpPr>
-          <p:cNvPr id="19" name="Connecteur droit avec flèche 18"/>
-          <p:cNvCxnSpPr>
-            <a:stCxn id="4" idx="3"/>
-            <a:endCxn id="9" idx="1"/>
-          </p:cNvCxnSpPr>
-          <p:nvPr/>
-        </p:nvCxnSpPr>
-        <p:spPr>
-          <a:xfrm>
-            <a:off x="2695222" y="3945467"/>
-            <a:ext cx="3852370" cy="0"/>
-          </a:xfrm>
-          <a:prstGeom prst="straightConnector1">
-            <a:avLst/>
-          </a:prstGeom>
-          <a:ln>
-            <a:prstDash val="dash"/>
-            <a:tailEnd type="arrow"/>
-          </a:ln>
-        </p:spPr>
-        <p:style>
-          <a:lnRef idx="2">
-            <a:schemeClr val="accent1"/>
-          </a:lnRef>
-          <a:fillRef idx="0">
-            <a:schemeClr val="accent1"/>
-          </a:fillRef>
-          <a:effectRef idx="1">
-            <a:schemeClr val="accent1"/>
-          </a:effectRef>
-          <a:fontRef idx="minor">
-            <a:schemeClr val="tx1"/>
-          </a:fontRef>
-        </p:style>
-      </p:cxnSp>
-      <p:cxnSp>
-        <p:nvCxnSpPr>
-          <p:cNvPr id="21" name="Connecteur droit avec flèche 20"/>
-          <p:cNvCxnSpPr>
-            <a:stCxn id="7" idx="3"/>
-            <a:endCxn id="8" idx="1"/>
-          </p:cNvCxnSpPr>
-          <p:nvPr/>
-        </p:nvCxnSpPr>
-        <p:spPr>
-          <a:xfrm>
-            <a:off x="3397954" y="5012267"/>
-            <a:ext cx="1925146" cy="0"/>
-          </a:xfrm>
-          <a:prstGeom prst="straightConnector1">
-            <a:avLst/>
-          </a:prstGeom>
-          <a:ln>
-            <a:prstDash val="dash"/>
-            <a:tailEnd type="arrow"/>
-          </a:ln>
-        </p:spPr>
-        <p:style>
-          <a:lnRef idx="2">
-            <a:schemeClr val="accent1"/>
-          </a:lnRef>
-          <a:fillRef idx="0">
-            <a:schemeClr val="accent1"/>
-          </a:fillRef>
-          <a:effectRef idx="1">
-            <a:schemeClr val="accent1"/>
-          </a:effectRef>
-          <a:fontRef idx="minor">
-            <a:schemeClr val="tx1"/>
-          </a:fontRef>
-        </p:style>
-      </p:cxnSp>
-    </p:spTree>
-    <p:extLst>
-      <p:ext uri="{BB962C8B-B14F-4D97-AF65-F5344CB8AC3E}">
-        <p14:creationId xmlns:p14="http://schemas.microsoft.com/office/powerpoint/2010/main" val="449610707"/>
       </p:ext>
     </p:extLst>
   </p:cSld>
